--- a/slides/4_DDPM.pptx
+++ b/slides/4_DDPM.pptx
@@ -116,6 +116,11 @@
       </a:defRPr>
     </a:lvl9pPr>
   </p:defaultTextStyle>
+  <p:extLst>
+    <p:ext uri="{EFAFB233-063F-42B5-8137-9DF3F51BA10A}">
+      <p15:sldGuideLst xmlns:p15="http://schemas.microsoft.com/office/powerpoint/2012/main"/>
+    </p:ext>
+  </p:extLst>
 </p:presentation>
 </file>
 
@@ -369,7 +374,7 @@
           <a:p>
             <a:fld id="{02ADA0BE-4790-2C41-AA62-C86997F67520}" type="datetimeFigureOut">
               <a:rPr lang="en-US" smtClean="0"/>
-              <a:t>6/18/24</a:t>
+              <a:t>11/6/24</a:t>
             </a:fld>
             <a:endParaRPr lang="en-US"/>
           </a:p>
@@ -767,31 +772,7 @@
           <a:p>
             <a:r>
               <a:rPr lang="en-US" dirty="0"/>
-              <a:t>We’ve covered these items, so now let’s think about the process itself, and how all of these are combined:</a:t>
-            </a:r>
-          </a:p>
-          <a:p>
-            <a:endParaRPr lang="en-US" dirty="0"/>
-          </a:p>
-          <a:p>
-            <a:r>
-              <a:rPr lang="en-US" dirty="0"/>
-              <a:t>First, we scrape</a:t>
-            </a:r>
-          </a:p>
-          <a:p>
-            <a:endParaRPr lang="en-US" dirty="0"/>
-          </a:p>
-          <a:p>
-            <a:r>
-              <a:rPr lang="en-US" dirty="0"/>
-              <a:t>First, an image is fed into an encoder to produce a latent representation.</a:t>
-            </a:r>
-          </a:p>
-          <a:p>
-            <a:r>
-              <a:rPr lang="en-US" dirty="0"/>
-              <a:t>The prompt is then fed into CLIP. The CLIP embedding is concatenated</a:t>
+              <a:t>We’ve covered these items, so now let’s think about the process itself, and how all of these are combined.</a:t>
             </a:r>
           </a:p>
         </p:txBody>
@@ -881,6 +862,12 @@
               <a:t>Let’s return to this.</a:t>
             </a:r>
           </a:p>
+          <a:p>
+            <a:endParaRPr lang="en-US" dirty="0"/>
+          </a:p>
+          <a:p>
+            <a:endParaRPr lang="en-US" dirty="0"/>
+          </a:p>
         </p:txBody>
       </p:sp>
       <p:sp>
@@ -1090,7 +1077,17 @@
           <a:p>
             <a:r>
               <a:rPr lang="en-US" dirty="0"/>
-              <a:t>Let’s return to this, and walk through step-by-step:</a:t>
+              <a:t>Alpha = 1 – beta</a:t>
+            </a:r>
+          </a:p>
+          <a:p>
+            <a:r>
+              <a:rPr lang="en-US" dirty="0" err="1"/>
+              <a:t>Alpha_bar</a:t>
+            </a:r>
+            <a:r>
+              <a:rPr lang="en-US" dirty="0"/>
+              <a:t> = product of alphas up to this time step</a:t>
             </a:r>
           </a:p>
           <a:p>
@@ -1099,233 +1096,273 @@
           <a:p>
             <a:r>
               <a:rPr lang="en-US" dirty="0"/>
-              <a:t>2. Get your original image. This image is the image you have at t = 0.</a:t>
-            </a:r>
-          </a:p>
-          <a:p>
-            <a:r>
-              <a:rPr lang="en-US" dirty="0"/>
-              <a:t>3. Draw a random timestep.</a:t>
-            </a:r>
-          </a:p>
-          <a:p>
-            <a:r>
-              <a:rPr lang="en-US" dirty="0"/>
-              <a:t>4. Generate some pure Gaussian Noise.</a:t>
-            </a:r>
-          </a:p>
-          <a:p>
-            <a:r>
-              <a:rPr lang="en-US" dirty="0"/>
-              <a:t>5.</a:t>
-            </a:r>
-          </a:p>
-          <a:p>
-            <a:r>
-              <a:rPr lang="en-US" dirty="0"/>
-              <a:t>	a. Get the variance that corresponds to the timestep t, and add that amount of noise to your original image.</a:t>
-            </a:r>
-          </a:p>
-          <a:p>
-            <a:r>
-              <a:rPr lang="en-US" dirty="0"/>
-              <a:t>	b. Pass this noisy image, along with t into your U-Net. This will predict the amount of noise added.</a:t>
-            </a:r>
-          </a:p>
-          <a:p>
-            <a:r>
-              <a:rPr lang="en-US" dirty="0"/>
-              <a:t>	c. Find the loss between the predicted added noise, and the total noise.</a:t>
+              <a:t>Importantly, we are not adding noise to an image, we are gradually making an image noisier.</a:t>
             </a:r>
           </a:p>
           <a:p>
             <a:endParaRPr lang="en-US" dirty="0"/>
           </a:p>
           <a:p>
-            <a:endParaRPr lang="en-US" dirty="0"/>
-          </a:p>
-          <a:p>
-            <a:r>
-              <a:rPr lang="en-US" dirty="0"/>
-              <a:t>Why do we calculate the loss on the TOTAL noise? Because it makes the low noise prediction more important – the model should care A LOT about the loss when the predicted noise is low.</a:t>
-            </a:r>
-          </a:p>
-          <a:p>
-            <a:r>
-              <a:rPr lang="en-US" dirty="0"/>
-              <a:t>In practice, during training you would pick a noise level and then apply a single noise level to multiple images.</a:t>
-            </a:r>
-          </a:p>
-          <a:p>
-            <a:endParaRPr lang="en-US" dirty="0"/>
-          </a:p>
-          <a:p>
-            <a:r>
-              <a:rPr lang="en-GB" b="0" i="0" dirty="0">
-                <a:solidFill>
-                  <a:srgbClr val="9CA3AF"/>
-                </a:solidFill>
-                <a:effectLst/>
-                <a:highlight>
-                  <a:srgbClr val="0E1118"/>
-                </a:highlight>
-                <a:latin typeface="SourceSansPro"/>
-              </a:rPr>
-              <a:t>Most of our choices in diffusion models is about estimating gradients better. Training every noise level is costly and you don’t have unlimited batch space. We want gradients that are estimating the whole dataset, not a single image.</a:t>
-            </a:r>
-          </a:p>
-          <a:p>
-            <a:endParaRPr lang="en-GB" b="0" i="0" dirty="0">
-              <a:solidFill>
-                <a:srgbClr val="9CA3AF"/>
-              </a:solidFill>
-              <a:effectLst/>
-              <a:highlight>
-                <a:srgbClr val="0E1118"/>
-              </a:highlight>
-              <a:latin typeface="SourceSansPro"/>
-            </a:endParaRPr>
-          </a:p>
-          <a:p>
-            <a:r>
-              <a:rPr lang="en-GB" b="0" i="0" dirty="0">
-                <a:solidFill>
-                  <a:srgbClr val="9CA3AF"/>
-                </a:solidFill>
-                <a:effectLst/>
-                <a:highlight>
-                  <a:srgbClr val="0E1118"/>
-                </a:highlight>
-                <a:latin typeface="SourceSansPro"/>
-              </a:rPr>
-              <a:t>For sampling:</a:t>
-            </a:r>
-          </a:p>
-          <a:p>
-            <a:pPr marL="228600" indent="-228600">
+            <a:r>
+              <a:rPr lang="en-GB" dirty="0"/>
+              <a:t>Looking at the forward process equation: xₜ = √</a:t>
+            </a:r>
+            <a:r>
+              <a:rPr lang="el-GR" dirty="0"/>
+              <a:t>α</a:t>
+            </a:r>
+            <a:r>
+              <a:rPr lang="en-GB" dirty="0"/>
+              <a:t>ₜxₜ₋₁ + √(1-</a:t>
+            </a:r>
+            <a:r>
+              <a:rPr lang="el-GR" dirty="0"/>
+              <a:t>α</a:t>
+            </a:r>
+            <a:r>
+              <a:rPr lang="en-GB" dirty="0"/>
+              <a:t>ₜ)</a:t>
+            </a:r>
+            <a:r>
+              <a:rPr lang="el-GR" dirty="0"/>
+              <a:t>ε</a:t>
+            </a:r>
+            <a:endParaRPr lang="en-GB" dirty="0"/>
+          </a:p>
+          <a:p>
+            <a:endParaRPr lang="el-GR" dirty="0"/>
+          </a:p>
+          <a:p>
+            <a:pPr>
+              <a:buFont typeface="+mj-lt"/>
               <a:buAutoNum type="arabicPeriod"/>
             </a:pPr>
             <a:r>
-              <a:rPr lang="en-GB" b="0" i="0" dirty="0">
-                <a:solidFill>
-                  <a:srgbClr val="9CA3AF"/>
-                </a:solidFill>
-                <a:effectLst/>
-                <a:highlight>
-                  <a:srgbClr val="0E1118"/>
-                </a:highlight>
-                <a:latin typeface="SourceSansPro"/>
-              </a:rPr>
-              <a:t>Get random noise</a:t>
-            </a:r>
-          </a:p>
-          <a:p>
-            <a:pPr marL="228600" indent="-228600">
-              <a:buAutoNum type="arabicPeriod"/>
+              <a:rPr lang="en-GB" dirty="0"/>
+              <a:t>Multiplicative Part: √</a:t>
+            </a:r>
+            <a:r>
+              <a:rPr lang="el-GR" dirty="0"/>
+              <a:t>α</a:t>
+            </a:r>
+            <a:r>
+              <a:rPr lang="en-GB" dirty="0"/>
+              <a:t>ₜxₜ₋₁</a:t>
+            </a:r>
+          </a:p>
+          <a:p>
+            <a:pPr>
+              <a:buFont typeface="Arial" panose="020B0604020202020204" pitchFamily="34" charset="0"/>
+              <a:buChar char="•"/>
             </a:pPr>
             <a:r>
-              <a:rPr lang="en-GB" b="0" i="0" dirty="0">
-                <a:solidFill>
-                  <a:srgbClr val="9CA3AF"/>
-                </a:solidFill>
-                <a:effectLst/>
-                <a:highlight>
-                  <a:srgbClr val="0E1118"/>
-                </a:highlight>
-                <a:latin typeface="SourceSansPro"/>
-              </a:rPr>
-              <a:t>For each timestep, in reverse</a:t>
-            </a:r>
-          </a:p>
-          <a:p>
-            <a:pPr marL="685800" lvl="1" indent="-228600">
-              <a:buAutoNum type="arabicPeriod"/>
+              <a:rPr lang="en-GB" dirty="0"/>
+              <a:t>We multiply the previous state by √</a:t>
+            </a:r>
+            <a:r>
+              <a:rPr lang="el-GR" dirty="0"/>
+              <a:t>α</a:t>
+            </a:r>
+            <a:r>
+              <a:rPr lang="en-GB" dirty="0"/>
+              <a:t>ₜ</a:t>
+            </a:r>
+          </a:p>
+          <a:p>
+            <a:pPr>
+              <a:buFont typeface="Arial" panose="020B0604020202020204" pitchFamily="34" charset="0"/>
+              <a:buChar char="•"/>
             </a:pPr>
             <a:r>
-              <a:rPr lang="en-GB" b="0" i="0" dirty="0">
-                <a:solidFill>
-                  <a:srgbClr val="9CA3AF"/>
-                </a:solidFill>
-                <a:effectLst/>
-                <a:highlight>
-                  <a:srgbClr val="0E1118"/>
-                </a:highlight>
-                <a:latin typeface="SourceSansPro"/>
-              </a:rPr>
-              <a:t>Generate a separate random noise vector if we’re not at the last timestep</a:t>
-            </a:r>
-          </a:p>
-          <a:p>
-            <a:pPr marL="685800" lvl="1" indent="-228600">
-              <a:buAutoNum type="arabicPeriod"/>
+              <a:rPr lang="en-GB" dirty="0"/>
+              <a:t>This dampens/scales down the signal</a:t>
+            </a:r>
+          </a:p>
+          <a:p>
+            <a:pPr>
+              <a:buFont typeface="Arial" panose="020B0604020202020204" pitchFamily="34" charset="0"/>
+              <a:buChar char="•"/>
             </a:pPr>
             <a:r>
-              <a:rPr lang="en-GB" b="0" i="0" dirty="0">
-                <a:solidFill>
-                  <a:srgbClr val="9CA3AF"/>
-                </a:solidFill>
-                <a:effectLst/>
-                <a:highlight>
-                  <a:srgbClr val="0E1118"/>
-                </a:highlight>
-                <a:latin typeface="SourceSansPro"/>
-              </a:rPr>
-              <a:t>Put the noisy image into the model, along with the timestep in order to estimate the noise added.</a:t>
-            </a:r>
-          </a:p>
-          <a:p>
-            <a:pPr marL="685800" lvl="1" indent="-228600">
-              <a:buAutoNum type="arabicPeriod"/>
+              <a:rPr lang="en-GB" dirty="0"/>
+              <a:t>This is why clean data gradually fades away</a:t>
+            </a:r>
+          </a:p>
+          <a:p>
+            <a:pPr>
+              <a:buFont typeface="Arial" panose="020B0604020202020204" pitchFamily="34" charset="0"/>
+              <a:buChar char="•"/>
             </a:pPr>
-            <a:r>
-              <a:rPr lang="en-GB" b="0" i="0" dirty="0">
-                <a:solidFill>
-                  <a:srgbClr val="9CA3AF"/>
-                </a:solidFill>
-                <a:effectLst/>
-                <a:highlight>
-                  <a:srgbClr val="0E1118"/>
-                </a:highlight>
-                <a:latin typeface="SourceSansPro"/>
-              </a:rPr>
-              <a:t>Scale the estimated noise in reverse to how we scaled it for training</a:t>
-            </a:r>
-          </a:p>
-          <a:p>
-            <a:pPr marL="685800" lvl="1" indent="-228600">
-              <a:buAutoNum type="arabicPeriod"/>
+            <a:endParaRPr lang="en-GB" dirty="0"/>
+          </a:p>
+          <a:p>
+            <a:pPr>
+              <a:buFont typeface="+mj-lt"/>
+              <a:buAutoNum type="arabicPeriod" startAt="2"/>
             </a:pPr>
             <a:r>
-              <a:rPr lang="en-GB" b="0" i="0" dirty="0">
-                <a:solidFill>
-                  <a:srgbClr val="9CA3AF"/>
-                </a:solidFill>
-                <a:effectLst/>
-                <a:highlight>
-                  <a:srgbClr val="0E1118"/>
-                </a:highlight>
-                <a:latin typeface="SourceSansPro"/>
-              </a:rPr>
-              <a:t>Subtract the noise added at this step from the total noise to get a slightly denoised image</a:t>
-            </a:r>
-          </a:p>
-          <a:p>
-            <a:pPr marL="685800" lvl="1" indent="-228600">
-              <a:buAutoNum type="arabicPeriod"/>
+              <a:rPr lang="en-GB" dirty="0"/>
+              <a:t>Additive Part: √(1-</a:t>
+            </a:r>
+            <a:r>
+              <a:rPr lang="el-GR" dirty="0"/>
+              <a:t>α</a:t>
+            </a:r>
+            <a:r>
+              <a:rPr lang="en-GB" dirty="0"/>
+              <a:t>ₜ)</a:t>
+            </a:r>
+            <a:r>
+              <a:rPr lang="el-GR" dirty="0"/>
+              <a:t>ε</a:t>
+            </a:r>
+          </a:p>
+          <a:p>
+            <a:pPr>
+              <a:buFont typeface="Arial" panose="020B0604020202020204" pitchFamily="34" charset="0"/>
+              <a:buChar char="•"/>
             </a:pPr>
             <a:r>
-              <a:rPr lang="en-GB" b="0" i="0" dirty="0">
-                <a:solidFill>
-                  <a:srgbClr val="9CA3AF"/>
-                </a:solidFill>
-                <a:effectLst/>
-                <a:highlight>
-                  <a:srgbClr val="0E1118"/>
-                </a:highlight>
-                <a:latin typeface="SourceSansPro"/>
-              </a:rPr>
-              <a:t>When we hit t = 0, we should have a generated image.</a:t>
-            </a:r>
+              <a:rPr lang="en-GB" dirty="0"/>
+              <a:t>We add Gaussian noise scaled by √(1-</a:t>
+            </a:r>
+            <a:r>
+              <a:rPr lang="el-GR" dirty="0"/>
+              <a:t>α</a:t>
+            </a:r>
+            <a:r>
+              <a:rPr lang="en-GB" dirty="0"/>
+              <a:t>ₜ)</a:t>
+            </a:r>
+          </a:p>
+          <a:p>
+            <a:pPr>
+              <a:buFont typeface="Arial" panose="020B0604020202020204" pitchFamily="34" charset="0"/>
+              <a:buChar char="•"/>
+            </a:pPr>
+            <a:r>
+              <a:rPr lang="en-GB" dirty="0"/>
+              <a:t>This adds new randomness at each step</a:t>
+            </a:r>
+          </a:p>
+          <a:p>
+            <a:r>
+              <a:rPr lang="en-GB" dirty="0"/>
+              <a:t>The practical difference is crucial:</a:t>
+            </a:r>
+          </a:p>
+          <a:p>
+            <a:pPr>
+              <a:buFont typeface="Arial" panose="020B0604020202020204" pitchFamily="34" charset="0"/>
+              <a:buChar char="•"/>
+            </a:pPr>
+            <a:r>
+              <a:rPr lang="en-GB" dirty="0"/>
+              <a:t>Pure additive noise would just add more and more noise on top</a:t>
+            </a:r>
+          </a:p>
+          <a:p>
+            <a:pPr>
+              <a:buFont typeface="Arial" panose="020B0604020202020204" pitchFamily="34" charset="0"/>
+              <a:buChar char="•"/>
+            </a:pPr>
+            <a:r>
+              <a:rPr lang="en-GB" dirty="0"/>
+              <a:t>Pure multiplicative noise would just keep scaling the image down</a:t>
+            </a:r>
+          </a:p>
+          <a:p>
+            <a:pPr>
+              <a:buFont typeface="Arial" panose="020B0604020202020204" pitchFamily="34" charset="0"/>
+              <a:buChar char="•"/>
+            </a:pPr>
+            <a:r>
+              <a:rPr lang="en-GB" dirty="0"/>
+              <a:t>The combination ensures: </a:t>
+            </a:r>
+          </a:p>
+          <a:p>
+            <a:pPr marL="742950" lvl="1" indent="-285750">
+              <a:buFont typeface="Arial" panose="020B0604020202020204" pitchFamily="34" charset="0"/>
+              <a:buChar char="•"/>
+            </a:pPr>
+            <a:r>
+              <a:rPr lang="en-GB" dirty="0"/>
+              <a:t>The signal gradually fades (multiplication)</a:t>
+            </a:r>
+          </a:p>
+          <a:p>
+            <a:pPr marL="742950" lvl="1" indent="-285750">
+              <a:buFont typeface="Arial" panose="020B0604020202020204" pitchFamily="34" charset="0"/>
+              <a:buChar char="•"/>
+            </a:pPr>
+            <a:r>
+              <a:rPr lang="en-GB" dirty="0"/>
+              <a:t>While being replaced by standard Gaussian noise (addition)</a:t>
+            </a:r>
+          </a:p>
+          <a:p>
+            <a:pPr marL="742950" lvl="1" indent="-285750">
+              <a:buFont typeface="Arial" panose="020B0604020202020204" pitchFamily="34" charset="0"/>
+              <a:buChar char="•"/>
+            </a:pPr>
+            <a:r>
+              <a:rPr lang="en-GB" dirty="0"/>
+              <a:t>The total variance stays normalized (√</a:t>
+            </a:r>
+            <a:r>
+              <a:rPr lang="el-GR" dirty="0"/>
+              <a:t>α</a:t>
+            </a:r>
+            <a:r>
+              <a:rPr lang="en-GB" dirty="0"/>
+              <a:t>ₜ and √(1-</a:t>
+            </a:r>
+            <a:r>
+              <a:rPr lang="el-GR" dirty="0"/>
+              <a:t>α</a:t>
+            </a:r>
+            <a:r>
+              <a:rPr lang="en-GB" dirty="0"/>
+              <a:t>ₜ) terms sum to 1)</a:t>
+            </a:r>
+          </a:p>
+          <a:p>
+            <a:r>
+              <a:rPr lang="en-GB" dirty="0"/>
+              <a:t>This is why we need the product of alphas - we're tracking how much the original signal has been dampened through multiple multiplication steps, not just how much noise has been added.</a:t>
+            </a:r>
+          </a:p>
+          <a:p>
+            <a:endParaRPr lang="en-US" dirty="0"/>
+          </a:p>
+          <a:p>
+            <a:endParaRPr lang="en-US" dirty="0"/>
+          </a:p>
+          <a:p>
+            <a:r>
+              <a:rPr lang="en-US" dirty="0"/>
+              <a:t>And now the reverse process</a:t>
+            </a:r>
+          </a:p>
+          <a:p>
+            <a:r>
+              <a:rPr lang="en-GB" dirty="0"/>
+              <a:t>The </a:t>
+            </a:r>
+            <a:r>
+              <a:rPr lang="el-GR" dirty="0" err="1"/>
+              <a:t>μθ</a:t>
+            </a:r>
+            <a:r>
+              <a:rPr lang="el-GR" dirty="0"/>
+              <a:t> </a:t>
+            </a:r>
+            <a:r>
+              <a:rPr lang="en-GB"/>
+              <a:t>represents the mean of the reverse distribution q(xₜ₋₁|xₜ)</a:t>
+            </a:r>
+            <a:endParaRPr lang="en-US" dirty="0"/>
           </a:p>
         </p:txBody>
       </p:sp>
@@ -1344,9 +1381,9 @@
           <a:bodyPr/>
           <a:lstStyle/>
           <a:p>
-            <a:fld id="{E09570AA-56A7-9C41-A123-AA2EDF5A67D8}" type="slidenum">
+            <a:fld id="{5D6E98AA-4786-7B47-BB5B-7EA132C636CF}" type="slidenum">
               <a:rPr lang="en-US" smtClean="0"/>
-              <a:t>7</a:t>
+              <a:t>5</a:t>
             </a:fld>
             <a:endParaRPr lang="en-US"/>
           </a:p>
@@ -1355,7 +1392,7 @@
     </p:spTree>
     <p:extLst>
       <p:ext uri="{BB962C8B-B14F-4D97-AF65-F5344CB8AC3E}">
-        <p14:creationId xmlns:p14="http://schemas.microsoft.com/office/powerpoint/2010/main" val="3311998091"/>
+        <p14:creationId xmlns:p14="http://schemas.microsoft.com/office/powerpoint/2010/main" val="918629285"/>
       </p:ext>
     </p:extLst>
   </p:cSld>
@@ -1411,6 +1448,327 @@
           <a:p>
             <a:r>
               <a:rPr lang="en-US" dirty="0"/>
+              <a:t>Let’s return to this, and walk through step-by-step:</a:t>
+            </a:r>
+          </a:p>
+          <a:p>
+            <a:endParaRPr lang="en-US" dirty="0"/>
+          </a:p>
+          <a:p>
+            <a:r>
+              <a:rPr lang="en-US" dirty="0"/>
+              <a:t>2. Get your original image. This image is the image you have at t = 0.</a:t>
+            </a:r>
+          </a:p>
+          <a:p>
+            <a:r>
+              <a:rPr lang="en-US" dirty="0"/>
+              <a:t>3. Draw a random timestep.</a:t>
+            </a:r>
+          </a:p>
+          <a:p>
+            <a:r>
+              <a:rPr lang="en-US" dirty="0"/>
+              <a:t>4. Generate some pure Gaussian Noise.</a:t>
+            </a:r>
+          </a:p>
+          <a:p>
+            <a:r>
+              <a:rPr lang="en-US" dirty="0"/>
+              <a:t>5.</a:t>
+            </a:r>
+          </a:p>
+          <a:p>
+            <a:r>
+              <a:rPr lang="en-US" dirty="0"/>
+              <a:t>	a. Get the variance that corresponds to the timestep t, and add that amount of noise to your original image.</a:t>
+            </a:r>
+          </a:p>
+          <a:p>
+            <a:r>
+              <a:rPr lang="en-US" dirty="0"/>
+              <a:t>	b. Pass this noisy image, along with t into your U-Net. This will predict the amount of noise added.</a:t>
+            </a:r>
+          </a:p>
+          <a:p>
+            <a:r>
+              <a:rPr lang="en-US" dirty="0"/>
+              <a:t>	c. Find the loss between the predicted added noise, and the total noise.</a:t>
+            </a:r>
+          </a:p>
+          <a:p>
+            <a:endParaRPr lang="en-US" dirty="0"/>
+          </a:p>
+          <a:p>
+            <a:endParaRPr lang="en-US" dirty="0"/>
+          </a:p>
+          <a:p>
+            <a:r>
+              <a:rPr lang="en-US" dirty="0"/>
+              <a:t>Why do we calculate the loss on the TOTAL noise? Because it makes the low noise prediction more important – the model should care A LOT about the loss when the predicted noise is low.</a:t>
+            </a:r>
+          </a:p>
+          <a:p>
+            <a:r>
+              <a:rPr lang="en-US" dirty="0"/>
+              <a:t>In practice, during training you would pick a noise level and then apply a single noise level to multiple images.</a:t>
+            </a:r>
+          </a:p>
+          <a:p>
+            <a:endParaRPr lang="en-US" dirty="0"/>
+          </a:p>
+          <a:p>
+            <a:r>
+              <a:rPr lang="en-GB" b="0" i="0" dirty="0">
+                <a:solidFill>
+                  <a:srgbClr val="9CA3AF"/>
+                </a:solidFill>
+                <a:effectLst/>
+                <a:highlight>
+                  <a:srgbClr val="0E1118"/>
+                </a:highlight>
+                <a:latin typeface="SourceSansPro"/>
+              </a:rPr>
+              <a:t>Most of our choices in diffusion models is about estimating gradients better. Training every noise level is costly and you don’t have unlimited batch space. We want gradients that are estimating the whole dataset, not a single image.</a:t>
+            </a:r>
+          </a:p>
+          <a:p>
+            <a:endParaRPr lang="en-GB" b="0" i="0" dirty="0">
+              <a:solidFill>
+                <a:srgbClr val="9CA3AF"/>
+              </a:solidFill>
+              <a:effectLst/>
+              <a:highlight>
+                <a:srgbClr val="0E1118"/>
+              </a:highlight>
+              <a:latin typeface="SourceSansPro"/>
+            </a:endParaRPr>
+          </a:p>
+          <a:p>
+            <a:r>
+              <a:rPr lang="en-GB" b="0" i="0" dirty="0">
+                <a:solidFill>
+                  <a:srgbClr val="9CA3AF"/>
+                </a:solidFill>
+                <a:effectLst/>
+                <a:highlight>
+                  <a:srgbClr val="0E1118"/>
+                </a:highlight>
+                <a:latin typeface="SourceSansPro"/>
+              </a:rPr>
+              <a:t>For sampling:</a:t>
+            </a:r>
+          </a:p>
+          <a:p>
+            <a:pPr marL="228600" indent="-228600">
+              <a:buAutoNum type="arabicPeriod"/>
+            </a:pPr>
+            <a:r>
+              <a:rPr lang="en-GB" b="0" i="0" dirty="0">
+                <a:solidFill>
+                  <a:srgbClr val="9CA3AF"/>
+                </a:solidFill>
+                <a:effectLst/>
+                <a:highlight>
+                  <a:srgbClr val="0E1118"/>
+                </a:highlight>
+                <a:latin typeface="SourceSansPro"/>
+              </a:rPr>
+              <a:t>Get random noise</a:t>
+            </a:r>
+          </a:p>
+          <a:p>
+            <a:pPr marL="228600" indent="-228600">
+              <a:buAutoNum type="arabicPeriod"/>
+            </a:pPr>
+            <a:r>
+              <a:rPr lang="en-GB" b="0" i="0" dirty="0">
+                <a:solidFill>
+                  <a:srgbClr val="9CA3AF"/>
+                </a:solidFill>
+                <a:effectLst/>
+                <a:highlight>
+                  <a:srgbClr val="0E1118"/>
+                </a:highlight>
+                <a:latin typeface="SourceSansPro"/>
+              </a:rPr>
+              <a:t>For each timestep, in reverse</a:t>
+            </a:r>
+          </a:p>
+          <a:p>
+            <a:pPr marL="685800" lvl="1" indent="-228600">
+              <a:buAutoNum type="arabicPeriod"/>
+            </a:pPr>
+            <a:r>
+              <a:rPr lang="en-GB" b="0" i="0" dirty="0">
+                <a:solidFill>
+                  <a:srgbClr val="9CA3AF"/>
+                </a:solidFill>
+                <a:effectLst/>
+                <a:highlight>
+                  <a:srgbClr val="0E1118"/>
+                </a:highlight>
+                <a:latin typeface="SourceSansPro"/>
+              </a:rPr>
+              <a:t>Generate a separate random noise vector if we’re not at the last timestep</a:t>
+            </a:r>
+          </a:p>
+          <a:p>
+            <a:pPr marL="685800" lvl="1" indent="-228600">
+              <a:buAutoNum type="arabicPeriod"/>
+            </a:pPr>
+            <a:r>
+              <a:rPr lang="en-GB" b="0" i="0" dirty="0">
+                <a:solidFill>
+                  <a:srgbClr val="9CA3AF"/>
+                </a:solidFill>
+                <a:effectLst/>
+                <a:highlight>
+                  <a:srgbClr val="0E1118"/>
+                </a:highlight>
+                <a:latin typeface="SourceSansPro"/>
+              </a:rPr>
+              <a:t>Put the noisy image into the model, along with the timestep in order to estimate the noise added.</a:t>
+            </a:r>
+          </a:p>
+          <a:p>
+            <a:pPr marL="685800" lvl="1" indent="-228600">
+              <a:buAutoNum type="arabicPeriod"/>
+            </a:pPr>
+            <a:r>
+              <a:rPr lang="en-GB" b="0" i="0" dirty="0">
+                <a:solidFill>
+                  <a:srgbClr val="9CA3AF"/>
+                </a:solidFill>
+                <a:effectLst/>
+                <a:highlight>
+                  <a:srgbClr val="0E1118"/>
+                </a:highlight>
+                <a:latin typeface="SourceSansPro"/>
+              </a:rPr>
+              <a:t>Scale the estimated noise in reverse to how we scaled it for training</a:t>
+            </a:r>
+          </a:p>
+          <a:p>
+            <a:pPr marL="685800" lvl="1" indent="-228600">
+              <a:buAutoNum type="arabicPeriod"/>
+            </a:pPr>
+            <a:r>
+              <a:rPr lang="en-GB" b="0" i="0" dirty="0">
+                <a:solidFill>
+                  <a:srgbClr val="9CA3AF"/>
+                </a:solidFill>
+                <a:effectLst/>
+                <a:highlight>
+                  <a:srgbClr val="0E1118"/>
+                </a:highlight>
+                <a:latin typeface="SourceSansPro"/>
+              </a:rPr>
+              <a:t>Subtract the noise added at this step from the total noise to get a slightly denoised image</a:t>
+            </a:r>
+          </a:p>
+          <a:p>
+            <a:pPr marL="685800" lvl="1" indent="-228600">
+              <a:buAutoNum type="arabicPeriod"/>
+            </a:pPr>
+            <a:r>
+              <a:rPr lang="en-GB" b="0" i="0" dirty="0">
+                <a:solidFill>
+                  <a:srgbClr val="9CA3AF"/>
+                </a:solidFill>
+                <a:effectLst/>
+                <a:highlight>
+                  <a:srgbClr val="0E1118"/>
+                </a:highlight>
+                <a:latin typeface="SourceSansPro"/>
+              </a:rPr>
+              <a:t>When we hit t = 0, we should have a generated image.</a:t>
+            </a:r>
+          </a:p>
+        </p:txBody>
+      </p:sp>
+      <p:sp>
+        <p:nvSpPr>
+          <p:cNvPr id="4" name="Slide Number Placeholder 3"/>
+          <p:cNvSpPr>
+            <a:spLocks noGrp="1"/>
+          </p:cNvSpPr>
+          <p:nvPr>
+            <p:ph type="sldNum" sz="quarter" idx="5"/>
+          </p:nvPr>
+        </p:nvSpPr>
+        <p:spPr/>
+        <p:txBody>
+          <a:bodyPr/>
+          <a:lstStyle/>
+          <a:p>
+            <a:fld id="{E09570AA-56A7-9C41-A123-AA2EDF5A67D8}" type="slidenum">
+              <a:rPr lang="en-US" smtClean="0"/>
+              <a:t>7</a:t>
+            </a:fld>
+            <a:endParaRPr lang="en-US"/>
+          </a:p>
+        </p:txBody>
+      </p:sp>
+    </p:spTree>
+    <p:extLst>
+      <p:ext uri="{BB962C8B-B14F-4D97-AF65-F5344CB8AC3E}">
+        <p14:creationId xmlns:p14="http://schemas.microsoft.com/office/powerpoint/2010/main" val="3311998091"/>
+      </p:ext>
+    </p:extLst>
+  </p:cSld>
+  <p:clrMapOvr>
+    <a:masterClrMapping/>
+  </p:clrMapOvr>
+</p:notes>
+</file>
+
+<file path=ppt/notesSlides/notesSlide7.xml><?xml version="1.0" encoding="utf-8"?>
+<p:notes xmlns:a="http://schemas.openxmlformats.org/drawingml/2006/main" xmlns:r="http://schemas.openxmlformats.org/officeDocument/2006/relationships" xmlns:p="http://schemas.openxmlformats.org/presentationml/2006/main">
+  <p:cSld>
+    <p:spTree>
+      <p:nvGrpSpPr>
+        <p:cNvPr id="1" name=""/>
+        <p:cNvGrpSpPr/>
+        <p:nvPr/>
+      </p:nvGrpSpPr>
+      <p:grpSpPr>
+        <a:xfrm>
+          <a:off x="0" y="0"/>
+          <a:ext cx="0" cy="0"/>
+          <a:chOff x="0" y="0"/>
+          <a:chExt cx="0" cy="0"/>
+        </a:xfrm>
+      </p:grpSpPr>
+      <p:sp>
+        <p:nvSpPr>
+          <p:cNvPr id="2" name="Slide Image Placeholder 1"/>
+          <p:cNvSpPr>
+            <a:spLocks noGrp="1" noRot="1" noChangeAspect="1"/>
+          </p:cNvSpPr>
+          <p:nvPr>
+            <p:ph type="sldImg"/>
+          </p:nvPr>
+        </p:nvSpPr>
+        <p:spPr/>
+      </p:sp>
+      <p:sp>
+        <p:nvSpPr>
+          <p:cNvPr id="3" name="Notes Placeholder 2"/>
+          <p:cNvSpPr>
+            <a:spLocks noGrp="1"/>
+          </p:cNvSpPr>
+          <p:nvPr>
+            <p:ph type="body" idx="1"/>
+          </p:nvPr>
+        </p:nvSpPr>
+        <p:spPr/>
+        <p:txBody>
+          <a:bodyPr/>
+          <a:lstStyle/>
+          <a:p>
+            <a:r>
+              <a:rPr lang="en-US" dirty="0"/>
               <a:t>Before we look at applications, I’d just like to highlight two important ways of using diffusion models – unconditional vs conditional generation.</a:t>
             </a:r>
           </a:p>
@@ -1535,7 +1893,7 @@
 </p:notes>
 </file>
 
-<file path=ppt/notesSlides/notesSlide7.xml><?xml version="1.0" encoding="utf-8"?>
+<file path=ppt/notesSlides/notesSlide8.xml><?xml version="1.0" encoding="utf-8"?>
 <p:notes xmlns:a="http://schemas.openxmlformats.org/drawingml/2006/main" xmlns:r="http://schemas.openxmlformats.org/officeDocument/2006/relationships" xmlns:p="http://schemas.openxmlformats.org/presentationml/2006/main">
   <p:cSld>
     <p:spTree>
@@ -1864,7 +2222,7 @@
           <a:p>
             <a:fld id="{2F4F183C-144A-5A4B-B023-B9176DC118D2}" type="datetimeFigureOut">
               <a:rPr lang="en-US" smtClean="0"/>
-              <a:t>6/18/24</a:t>
+              <a:t>11/6/24</a:t>
             </a:fld>
             <a:endParaRPr lang="en-US"/>
           </a:p>
@@ -2064,7 +2422,7 @@
           <a:p>
             <a:fld id="{2F4F183C-144A-5A4B-B023-B9176DC118D2}" type="datetimeFigureOut">
               <a:rPr lang="en-US" smtClean="0"/>
-              <a:t>6/18/24</a:t>
+              <a:t>11/6/24</a:t>
             </a:fld>
             <a:endParaRPr lang="en-US"/>
           </a:p>
@@ -2274,7 +2632,7 @@
           <a:p>
             <a:fld id="{2F4F183C-144A-5A4B-B023-B9176DC118D2}" type="datetimeFigureOut">
               <a:rPr lang="en-US" smtClean="0"/>
-              <a:t>6/18/24</a:t>
+              <a:t>11/6/24</a:t>
             </a:fld>
             <a:endParaRPr lang="en-US"/>
           </a:p>
@@ -3241,7 +3599,7 @@
           <a:p>
             <a:fld id="{2F4F183C-144A-5A4B-B023-B9176DC118D2}" type="datetimeFigureOut">
               <a:rPr lang="en-US" smtClean="0"/>
-              <a:t>6/18/24</a:t>
+              <a:t>11/6/24</a:t>
             </a:fld>
             <a:endParaRPr lang="en-US"/>
           </a:p>
@@ -3517,7 +3875,7 @@
           <a:p>
             <a:fld id="{2F4F183C-144A-5A4B-B023-B9176DC118D2}" type="datetimeFigureOut">
               <a:rPr lang="en-US" smtClean="0"/>
-              <a:t>6/18/24</a:t>
+              <a:t>11/6/24</a:t>
             </a:fld>
             <a:endParaRPr lang="en-US"/>
           </a:p>
@@ -3785,7 +4143,7 @@
           <a:p>
             <a:fld id="{2F4F183C-144A-5A4B-B023-B9176DC118D2}" type="datetimeFigureOut">
               <a:rPr lang="en-US" smtClean="0"/>
-              <a:t>6/18/24</a:t>
+              <a:t>11/6/24</a:t>
             </a:fld>
             <a:endParaRPr lang="en-US"/>
           </a:p>
@@ -4200,7 +4558,7 @@
           <a:p>
             <a:fld id="{2F4F183C-144A-5A4B-B023-B9176DC118D2}" type="datetimeFigureOut">
               <a:rPr lang="en-US" smtClean="0"/>
-              <a:t>6/18/24</a:t>
+              <a:t>11/6/24</a:t>
             </a:fld>
             <a:endParaRPr lang="en-US"/>
           </a:p>
@@ -4342,7 +4700,7 @@
           <a:p>
             <a:fld id="{2F4F183C-144A-5A4B-B023-B9176DC118D2}" type="datetimeFigureOut">
               <a:rPr lang="en-US" smtClean="0"/>
-              <a:t>6/18/24</a:t>
+              <a:t>11/6/24</a:t>
             </a:fld>
             <a:endParaRPr lang="en-US"/>
           </a:p>
@@ -4455,7 +4813,7 @@
           <a:p>
             <a:fld id="{2F4F183C-144A-5A4B-B023-B9176DC118D2}" type="datetimeFigureOut">
               <a:rPr lang="en-US" smtClean="0"/>
-              <a:t>6/18/24</a:t>
+              <a:t>11/6/24</a:t>
             </a:fld>
             <a:endParaRPr lang="en-US"/>
           </a:p>
@@ -4768,7 +5126,7 @@
           <a:p>
             <a:fld id="{2F4F183C-144A-5A4B-B023-B9176DC118D2}" type="datetimeFigureOut">
               <a:rPr lang="en-US" smtClean="0"/>
-              <a:t>6/18/24</a:t>
+              <a:t>11/6/24</a:t>
             </a:fld>
             <a:endParaRPr lang="en-US"/>
           </a:p>
@@ -5057,7 +5415,7 @@
           <a:p>
             <a:fld id="{2F4F183C-144A-5A4B-B023-B9176DC118D2}" type="datetimeFigureOut">
               <a:rPr lang="en-US" smtClean="0"/>
-              <a:t>6/18/24</a:t>
+              <a:t>11/6/24</a:t>
             </a:fld>
             <a:endParaRPr lang="en-US"/>
           </a:p>
@@ -5300,7 +5658,7 @@
           <a:p>
             <a:fld id="{2F4F183C-144A-5A4B-B023-B9176DC118D2}" type="datetimeFigureOut">
               <a:rPr lang="en-US" smtClean="0"/>
-              <a:t>6/18/24</a:t>
+              <a:t>11/6/24</a:t>
             </a:fld>
             <a:endParaRPr lang="en-US"/>
           </a:p>
@@ -7794,8 +8152,8 @@
           </a:p>
         </p:txBody>
       </p:sp>
-      <mc:AlternateContent xmlns:mc="http://schemas.openxmlformats.org/markup-compatibility/2006">
-        <mc:Choice xmlns:a14="http://schemas.microsoft.com/office/drawing/2010/main" Requires="a14">
+      <mc:AlternateContent xmlns:mc="http://schemas.openxmlformats.org/markup-compatibility/2006" xmlns:a14="http://schemas.microsoft.com/office/drawing/2010/main">
+        <mc:Choice Requires="a14">
           <p:sp>
             <p:nvSpPr>
               <p:cNvPr id="4" name="Text Placeholder 3">
@@ -8477,7 +8835,7 @@
             </p:txBody>
           </p:sp>
         </mc:Choice>
-        <mc:Fallback>
+        <mc:Fallback xmlns="">
           <p:sp>
             <p:nvSpPr>
               <p:cNvPr id="4" name="Text Placeholder 3">
@@ -8500,7 +8858,7 @@
                 <a:ext cx="11176000" cy="4759258"/>
               </a:xfrm>
               <a:blipFill>
-                <a:blip r:embed="rId2"/>
+                <a:blip r:embed="rId3"/>
                 <a:stretch>
                   <a:fillRect l="-114" t="-798" r="-568"/>
                 </a:stretch>
@@ -8536,7 +8894,7 @@
           <p:nvPr/>
         </p:nvPicPr>
         <p:blipFill>
-          <a:blip r:embed="rId3"/>
+          <a:blip r:embed="rId4"/>
           <a:stretch>
             <a:fillRect/>
           </a:stretch>
